--- a/doc/2020-11_TriXX_ACC.pptx
+++ b/doc/2020-11_TriXX_ACC.pptx
@@ -27024,21 +27024,8 @@
               <a:rPr lang="de-DE" dirty="0"/>
             </a:br>
             <a:br>
-              <a:rPr lang="de-DE" dirty="0"/>
+              <a:rPr lang="de-DE"/>
             </a:br>
-            <a:br>
-              <a:rPr lang="de-DE" dirty="0"/>
-            </a:br>
-            <a:r>
-              <a:rPr lang="de-DE" sz="2400" dirty="0"/>
-              <a:t>Vortrag zum Download 	</a:t>
-            </a:r>
-            <a:r>
-              <a:rPr lang="de-DE" sz="2400" dirty="0">
-                <a:hlinkClick r:id="rId3"/>
-              </a:rPr>
-              <a:t>https://bit.ly/2DlC7AE</a:t>
-            </a:r>
             <a:br>
               <a:rPr lang="de-DE" sz="2400" dirty="0"/>
             </a:br>
@@ -27055,7 +27042,7 @@
             </a:r>
             <a:r>
               <a:rPr lang="de-DE" sz="2400" dirty="0">
-                <a:hlinkClick r:id="rId4"/>
+                <a:hlinkClick r:id="rId3"/>
               </a:rPr>
               <a:t>https://bit.ly/3jF1XPD</a:t>
             </a:r>
@@ -27135,7 +27122,7 @@
                 <a:solidFill>
                   <a:srgbClr val="313231"/>
                 </a:solidFill>
-                <a:hlinkClick r:id="rId5"/>
+                <a:hlinkClick r:id="rId4"/>
               </a:rPr>
               <a:t>osp.de</a:t>
             </a:r>
